--- a/Samuli_presentation.pptx
+++ b/Samuli_presentation.pptx
@@ -7885,7 +7885,6 @@
               <a:rPr lang="fi-FI" sz="1800" dirty="0" smtClean="0"/>
               <a:t>. Helsinki)</a:t>
             </a:r>
-            <a:endParaRPr lang="fi-FI" sz="1800" dirty="0" smtClean="0"/>
           </a:p>
           <a:p>
             <a:pPr lvl="1"/>
@@ -7973,6 +7972,50 @@
               <a:rPr lang="fi-FI" sz="1800" dirty="0" err="1" smtClean="0"/>
               <a:t>pieces</a:t>
             </a:r>
+            <a:r>
+              <a:rPr lang="fi-FI" sz="1800" dirty="0" smtClean="0"/>
+              <a:t> (and </a:t>
+            </a:r>
+            <a:r>
+              <a:rPr lang="fi-FI" sz="1800" dirty="0" err="1" smtClean="0"/>
+              <a:t>sometimes</a:t>
+            </a:r>
+            <a:r>
+              <a:rPr lang="fi-FI" sz="1800" dirty="0" smtClean="0"/>
+              <a:t> </a:t>
+            </a:r>
+            <a:r>
+              <a:rPr lang="fi-FI" sz="1800" dirty="0" err="1" smtClean="0"/>
+              <a:t>putting</a:t>
+            </a:r>
+            <a:r>
+              <a:rPr lang="fi-FI" sz="1800" dirty="0" smtClean="0"/>
+              <a:t> </a:t>
+            </a:r>
+            <a:r>
+              <a:rPr lang="fi-FI" sz="1800" dirty="0" err="1" smtClean="0"/>
+              <a:t>it</a:t>
+            </a:r>
+            <a:r>
+              <a:rPr lang="fi-FI" sz="1800" dirty="0" smtClean="0"/>
+              <a:t> </a:t>
+            </a:r>
+            <a:r>
+              <a:rPr lang="fi-FI" sz="1800" dirty="0" err="1" smtClean="0"/>
+              <a:t>back</a:t>
+            </a:r>
+            <a:r>
+              <a:rPr lang="fi-FI" sz="1800" dirty="0" smtClean="0"/>
+              <a:t> </a:t>
+            </a:r>
+            <a:r>
+              <a:rPr lang="fi-FI" sz="1800" dirty="0" err="1" smtClean="0"/>
+              <a:t>together</a:t>
+            </a:r>
+            <a:r>
+              <a:rPr lang="fi-FI" sz="1800" dirty="0" smtClean="0"/>
+              <a:t>)</a:t>
+            </a:r>
             <a:endParaRPr lang="fi-FI" sz="1800" dirty="0" smtClean="0"/>
           </a:p>
           <a:p>
@@ -8038,11 +8081,7 @@
             </a:r>
             <a:r>
               <a:rPr lang="fi-FI" sz="2400" dirty="0" err="1" smtClean="0"/>
-              <a:t>i</a:t>
-            </a:r>
-            <a:r>
-              <a:rPr lang="fi-FI" sz="2400" dirty="0" err="1" smtClean="0"/>
-              <a:t>nterests</a:t>
+              <a:t>interests</a:t>
             </a:r>
             <a:r>
               <a:rPr lang="fi-FI" sz="2400" dirty="0" smtClean="0"/>
@@ -8072,13 +8111,45 @@
               <a:rPr lang="fi-FI" sz="1800" dirty="0" err="1" smtClean="0"/>
               <a:t>modeling</a:t>
             </a:r>
+            <a:r>
+              <a:rPr lang="fi-FI" sz="1800" dirty="0" smtClean="0"/>
+              <a:t>, </a:t>
+            </a:r>
+            <a:r>
+              <a:rPr lang="fi-FI" sz="1800" dirty="0" err="1" smtClean="0"/>
+              <a:t>dynamic</a:t>
+            </a:r>
+            <a:r>
+              <a:rPr lang="fi-FI" sz="1800" dirty="0" smtClean="0"/>
+              <a:t> </a:t>
+            </a:r>
+            <a:r>
+              <a:rPr lang="fi-FI" sz="1800" dirty="0" err="1" smtClean="0"/>
+              <a:t>modeling</a:t>
+            </a:r>
             <a:endParaRPr lang="fi-FI" sz="1800" dirty="0" smtClean="0"/>
           </a:p>
           <a:p>
             <a:pPr lvl="1"/>
             <a:r>
-              <a:rPr lang="fi-FI" sz="1800" dirty="0" err="1"/>
-              <a:t>C</a:t>
+              <a:rPr lang="fi-FI" sz="1800" dirty="0" err="1" smtClean="0"/>
+              <a:t>Soil-vegetation-atmosphere</a:t>
+            </a:r>
+            <a:r>
+              <a:rPr lang="fi-FI" sz="1800" dirty="0" smtClean="0"/>
+              <a:t> </a:t>
+            </a:r>
+            <a:r>
+              <a:rPr lang="fi-FI" sz="1800" dirty="0" err="1" smtClean="0"/>
+              <a:t>exchange</a:t>
+            </a:r>
+            <a:r>
+              <a:rPr lang="fi-FI" sz="1800" dirty="0" smtClean="0"/>
+              <a:t>, </a:t>
+            </a:r>
+            <a:r>
+              <a:rPr lang="fi-FI" sz="1800" dirty="0" err="1" smtClean="0"/>
+              <a:t>c</a:t>
             </a:r>
             <a:r>
               <a:rPr lang="fi-FI" sz="1800" dirty="0" err="1" smtClean="0"/>
@@ -8114,7 +8185,7 @@
             <a:pPr lvl="1"/>
             <a:r>
               <a:rPr lang="fi-FI" sz="1800" dirty="0" err="1" smtClean="0"/>
-              <a:t>Multi-scale</a:t>
+              <a:t>Environmental</a:t>
             </a:r>
             <a:r>
               <a:rPr lang="fi-FI" sz="1800" dirty="0" smtClean="0"/>
@@ -8122,7 +8193,15 @@
             </a:r>
             <a:r>
               <a:rPr lang="fi-FI" sz="1800" dirty="0" err="1" smtClean="0"/>
-              <a:t>ecohydrology</a:t>
+              <a:t>impacts</a:t>
+            </a:r>
+            <a:r>
+              <a:rPr lang="fi-FI" sz="1800" dirty="0" smtClean="0"/>
+              <a:t> of </a:t>
+            </a:r>
+            <a:r>
+              <a:rPr lang="fi-FI" sz="1800" dirty="0" err="1" smtClean="0"/>
+              <a:t>forestry</a:t>
             </a:r>
             <a:endParaRPr lang="fi-FI" sz="1800" dirty="0" smtClean="0"/>
           </a:p>
@@ -8130,39 +8209,15 @@
             <a:pPr lvl="1"/>
             <a:r>
               <a:rPr lang="fi-FI" sz="1800" dirty="0" err="1" smtClean="0"/>
-              <a:t>Environmental</a:t>
+              <a:t>Forest</a:t>
             </a:r>
             <a:r>
               <a:rPr lang="fi-FI" sz="1800" dirty="0" smtClean="0"/>
               <a:t> </a:t>
             </a:r>
             <a:r>
-              <a:rPr lang="fi-FI" sz="1800" dirty="0" err="1" smtClean="0"/>
-              <a:t>impacts</a:t>
-            </a:r>
-            <a:r>
               <a:rPr lang="fi-FI" sz="1800" dirty="0" smtClean="0"/>
-              <a:t> of </a:t>
-            </a:r>
-            <a:r>
-              <a:rPr lang="fi-FI" sz="1800" dirty="0" err="1" smtClean="0"/>
-              <a:t>forestry</a:t>
-            </a:r>
-            <a:endParaRPr lang="fi-FI" sz="1800" dirty="0" smtClean="0"/>
-          </a:p>
-          <a:p>
-            <a:pPr lvl="1"/>
-            <a:r>
-              <a:rPr lang="fi-FI" sz="1800" dirty="0" err="1" smtClean="0"/>
-              <a:t>Forest</a:t>
-            </a:r>
-            <a:r>
-              <a:rPr lang="fi-FI" sz="1800" dirty="0" smtClean="0"/>
-              <a:t> trafficability </a:t>
-            </a:r>
-            <a:r>
-              <a:rPr lang="fi-FI" sz="1800" dirty="0" err="1" smtClean="0"/>
-              <a:t>prediction</a:t>
+              <a:t>trafficability</a:t>
             </a:r>
             <a:endParaRPr lang="fi-FI" sz="1800" dirty="0" smtClean="0"/>
           </a:p>
@@ -8333,6 +8388,14 @@
             <a:r>
               <a:rPr lang="fi-FI" dirty="0" smtClean="0"/>
               <a:t> to </a:t>
+            </a:r>
+            <a:r>
+              <a:rPr lang="fi-FI" dirty="0" err="1" smtClean="0"/>
+              <a:t>stand</a:t>
+            </a:r>
+            <a:r>
+              <a:rPr lang="fi-FI" dirty="0" smtClean="0"/>
+              <a:t> and </a:t>
             </a:r>
             <a:r>
               <a:rPr lang="fi-FI" dirty="0" err="1" smtClean="0"/>
@@ -8625,11 +8688,7 @@
             </a:r>
             <a:r>
               <a:rPr lang="fi-FI" dirty="0" smtClean="0"/>
-              <a:t> </a:t>
-            </a:r>
-            <a:r>
-              <a:rPr lang="fi-FI" dirty="0" smtClean="0"/>
-              <a:t>data</a:t>
+              <a:t> data</a:t>
             </a:r>
           </a:p>
         </p:txBody>
@@ -9181,8 +9240,8 @@
               <a:t>, </a:t>
             </a:r>
             <a:r>
-              <a:rPr lang="fi-FI" sz="1800" dirty="0" err="1" smtClean="0"/>
-              <a:t>forest</a:t>
+              <a:rPr lang="fi-FI" sz="1800" smtClean="0"/>
+              <a:t>Mika Nieminen, forest</a:t>
             </a:r>
             <a:r>
               <a:rPr lang="fi-FI" sz="1800" dirty="0" smtClean="0"/>
@@ -9279,12 +9338,48 @@
           <a:p>
             <a:pPr lvl="1"/>
             <a:r>
-              <a:rPr lang="fi-FI" sz="1800" dirty="0" err="1" smtClean="0"/>
+              <a:rPr lang="fi-FI" sz="1800" dirty="0" err="1"/>
+              <a:t>Gaby</a:t>
+            </a:r>
+            <a:r>
+              <a:rPr lang="fi-FI" sz="1800" dirty="0"/>
+              <a:t> </a:t>
+            </a:r>
+            <a:r>
+              <a:rPr lang="fi-FI" sz="1800" dirty="0" err="1"/>
+              <a:t>Katul</a:t>
+            </a:r>
+            <a:r>
+              <a:rPr lang="fi-FI" sz="1800" dirty="0"/>
+              <a:t> (Duke </a:t>
+            </a:r>
+            <a:r>
+              <a:rPr lang="fi-FI" sz="1800" dirty="0" err="1"/>
+              <a:t>Univ</a:t>
+            </a:r>
+            <a:r>
+              <a:rPr lang="fi-FI" sz="1800" dirty="0"/>
+              <a:t>.); </a:t>
+            </a:r>
+            <a:r>
+              <a:rPr lang="fi-FI" sz="1800" dirty="0" err="1"/>
               <a:t>Seven</a:t>
             </a:r>
             <a:r>
+              <a:rPr lang="fi-FI" sz="1800" dirty="0"/>
+              <a:t> </a:t>
+            </a:r>
+            <a:r>
               <a:rPr lang="fi-FI" sz="1800" dirty="0" smtClean="0"/>
-              <a:t> Rice (Union College), Sebastian </a:t>
+              <a:t>Rice (Union College</a:t>
+            </a:r>
+            <a:r>
+              <a:rPr lang="fi-FI" sz="1800" dirty="0" smtClean="0"/>
+              <a:t>); </a:t>
+            </a:r>
+            <a:r>
+              <a:rPr lang="fi-FI" sz="1800" dirty="0" smtClean="0"/>
+              <a:t>Sebastian </a:t>
             </a:r>
             <a:r>
               <a:rPr lang="fi-FI" sz="1800" dirty="0" err="1" smtClean="0"/>
@@ -9292,8 +9387,90 @@
             </a:r>
             <a:r>
               <a:rPr lang="fi-FI" sz="1800" dirty="0" smtClean="0"/>
-              <a:t> (VU Amsterdam), </a:t>
-            </a:r>
+              <a:t> (VU Amsterdam</a:t>
+            </a:r>
+            <a:r>
+              <a:rPr lang="fi-FI" sz="1800" dirty="0" smtClean="0"/>
+              <a:t>); </a:t>
+            </a:r>
+            <a:r>
+              <a:rPr lang="fi-FI" sz="1800" dirty="0" err="1" smtClean="0"/>
+              <a:t>Hotaek</a:t>
+            </a:r>
+            <a:r>
+              <a:rPr lang="fi-FI" sz="1800" dirty="0" smtClean="0"/>
+              <a:t> </a:t>
+            </a:r>
+            <a:r>
+              <a:rPr lang="fi-FI" sz="1800" dirty="0" err="1" smtClean="0"/>
+              <a:t>Park</a:t>
+            </a:r>
+            <a:r>
+              <a:rPr lang="fi-FI" sz="1800" dirty="0" smtClean="0"/>
+              <a:t> (Japan), </a:t>
+            </a:r>
+            <a:r>
+              <a:rPr lang="fi-FI" sz="1800" dirty="0" err="1" smtClean="0"/>
+              <a:t>Eeva-Stiina</a:t>
+            </a:r>
+            <a:r>
+              <a:rPr lang="fi-FI" sz="1800" dirty="0" smtClean="0"/>
+              <a:t> </a:t>
+            </a:r>
+            <a:r>
+              <a:rPr lang="fi-FI" sz="1800" dirty="0" err="1" smtClean="0"/>
+              <a:t>Tuittila</a:t>
+            </a:r>
+            <a:r>
+              <a:rPr lang="fi-FI" sz="1800" dirty="0" smtClean="0"/>
+              <a:t> (UEF); Annalea Lohila, Mika </a:t>
+            </a:r>
+            <a:r>
+              <a:rPr lang="fi-FI" sz="1800" dirty="0" err="1" smtClean="0"/>
+              <a:t>Aurela</a:t>
+            </a:r>
+            <a:r>
+              <a:rPr lang="fi-FI" sz="1800" dirty="0" smtClean="0"/>
+              <a:t> (FMI); </a:t>
+            </a:r>
+            <a:r>
+              <a:rPr lang="fi-FI" sz="1800" dirty="0" err="1" smtClean="0"/>
+              <a:t>Univ</a:t>
+            </a:r>
+            <a:r>
+              <a:rPr lang="fi-FI" sz="1800" dirty="0" smtClean="0"/>
+              <a:t>. </a:t>
+            </a:r>
+            <a:r>
+              <a:rPr lang="fi-FI" sz="1800" dirty="0" err="1" smtClean="0"/>
+              <a:t>H</a:t>
+            </a:r>
+            <a:r>
+              <a:rPr lang="fi-FI" sz="1800" dirty="0" err="1" smtClean="0"/>
+              <a:t>el</a:t>
+            </a:r>
+            <a:r>
+              <a:rPr lang="fi-FI" sz="1800" dirty="0" smtClean="0"/>
+              <a:t>. / INAR / ICOS</a:t>
+            </a:r>
+          </a:p>
+          <a:p>
+            <a:r>
+              <a:rPr lang="fi-FI" dirty="0" err="1" smtClean="0"/>
+              <a:t>Ecophysiology</a:t>
+            </a:r>
+            <a:r>
+              <a:rPr lang="fi-FI" dirty="0" smtClean="0"/>
+              <a:t> and </a:t>
+            </a:r>
+            <a:r>
+              <a:rPr lang="fi-FI" dirty="0" err="1" smtClean="0"/>
+              <a:t>ecohydrology</a:t>
+            </a:r>
+            <a:endParaRPr lang="fi-FI" dirty="0" smtClean="0"/>
+          </a:p>
+          <a:p>
+            <a:pPr lvl="1"/>
             <a:r>
               <a:rPr lang="fi-FI" sz="1800" dirty="0" err="1" smtClean="0"/>
               <a:t>Gaby</a:t>
@@ -9307,8 +9484,20 @@
               <a:t>Katul</a:t>
             </a:r>
             <a:r>
+              <a:rPr lang="fi-FI" sz="1800" dirty="0"/>
+              <a:t>;</a:t>
+            </a:r>
+            <a:r>
               <a:rPr lang="fi-FI" sz="1800" dirty="0" smtClean="0"/>
-              <a:t> (Duke </a:t>
+              <a:t> Timo Vesala, Annikki Mäkel</a:t>
+            </a:r>
+            <a:r>
+              <a:rPr lang="fi-FI" sz="1800" dirty="0"/>
+              <a:t>ä</a:t>
+            </a:r>
+            <a:r>
+              <a:rPr lang="fi-FI" sz="1800" dirty="0" smtClean="0"/>
+              <a:t> (</a:t>
             </a:r>
             <a:r>
               <a:rPr lang="fi-FI" sz="1800" dirty="0" err="1" smtClean="0"/>
@@ -9316,11 +9505,27 @@
             </a:r>
             <a:r>
               <a:rPr lang="fi-FI" sz="1800" dirty="0" smtClean="0"/>
-              <a:t>.), </a:t>
+              <a:t>. </a:t>
             </a:r>
             <a:r>
               <a:rPr lang="fi-FI" sz="1800" dirty="0" err="1" smtClean="0"/>
-              <a:t>Hotaek</a:t>
+              <a:t>Hel</a:t>
+            </a:r>
+            <a:r>
+              <a:rPr lang="fi-FI" sz="1800" dirty="0" smtClean="0"/>
+              <a:t>); Hjalmar </a:t>
+            </a:r>
+            <a:r>
+              <a:rPr lang="fi-FI" sz="1800" dirty="0" err="1" smtClean="0"/>
+              <a:t>Laudon</a:t>
+            </a:r>
+            <a:r>
+              <a:rPr lang="fi-FI" sz="1800" dirty="0" smtClean="0"/>
+              <a:t>, </a:t>
+            </a:r>
+            <a:r>
+              <a:rPr lang="fi-FI" sz="1800" dirty="0" err="1" smtClean="0"/>
+              <a:t>Niles</a:t>
             </a:r>
             <a:r>
               <a:rPr lang="fi-FI" sz="1800" dirty="0" smtClean="0"/>
@@ -9328,38 +9533,62 @@
             </a:r>
             <a:r>
               <a:rPr lang="fi-FI" sz="1800" dirty="0" err="1" smtClean="0"/>
-              <a:t>Park</a:t>
+              <a:t>Hasselquist</a:t>
             </a:r>
             <a:r>
               <a:rPr lang="fi-FI" sz="1800" dirty="0" smtClean="0"/>
-              <a:t> (Japan), FMI, </a:t>
+              <a:t> (SLU </a:t>
             </a:r>
             <a:r>
               <a:rPr lang="fi-FI" sz="1800" dirty="0" err="1" smtClean="0"/>
-              <a:t>UHel</a:t>
+              <a:t>Umeå</a:t>
             </a:r>
             <a:r>
               <a:rPr lang="fi-FI" sz="1800" dirty="0" smtClean="0"/>
-              <a:t>, UEF</a:t>
+              <a:t>); Giulia </a:t>
+            </a:r>
+            <a:r>
+              <a:rPr lang="fi-FI" sz="1800" dirty="0" err="1" smtClean="0"/>
+              <a:t>Vico</a:t>
+            </a:r>
+            <a:r>
+              <a:rPr lang="fi-FI" sz="1800" dirty="0" smtClean="0"/>
+              <a:t> (SLU Uppsala)</a:t>
             </a:r>
           </a:p>
           <a:p>
             <a:r>
               <a:rPr lang="fi-FI" dirty="0" err="1" smtClean="0"/>
-              <a:t>Ecophysiology</a:t>
+              <a:t>Hydrologic</a:t>
+            </a:r>
+            <a:r>
+              <a:rPr lang="fi-FI" dirty="0"/>
+              <a:t> </a:t>
             </a:r>
             <a:r>
               <a:rPr lang="fi-FI" dirty="0" smtClean="0"/>
-              <a:t> and </a:t>
+              <a:t>&amp; </a:t>
             </a:r>
             <a:r>
               <a:rPr lang="fi-FI" dirty="0" err="1" smtClean="0"/>
-              <a:t>ecohydrology</a:t>
-            </a:r>
-            <a:endParaRPr lang="fi-FI" dirty="0"/>
+              <a:t>biogeocemical</a:t>
+            </a:r>
+            <a:r>
+              <a:rPr lang="fi-FI" dirty="0" smtClean="0"/>
+              <a:t> </a:t>
+            </a:r>
+            <a:r>
+              <a:rPr lang="fi-FI" dirty="0" err="1" smtClean="0"/>
+              <a:t>modeling</a:t>
+            </a:r>
+            <a:endParaRPr lang="fi-FI" dirty="0" smtClean="0"/>
           </a:p>
           <a:p>
             <a:pPr lvl="1"/>
+            <a:r>
+              <a:rPr lang="fi-FI" sz="1800" dirty="0" smtClean="0"/>
+              <a:t>Ari Lauren (UEF/Luke); </a:t>
+            </a:r>
             <a:r>
               <a:rPr lang="fi-FI" sz="1800" dirty="0" err="1" smtClean="0"/>
               <a:t>Gaby</a:t>
@@ -9373,16 +9602,20 @@
               <a:t>Katul</a:t>
             </a:r>
             <a:r>
-              <a:rPr lang="fi-FI" sz="1800" dirty="0"/>
-              <a:t>;</a:t>
-            </a:r>
-            <a:r>
               <a:rPr lang="fi-FI" sz="1800" dirty="0" smtClean="0"/>
-              <a:t> Timo Vesala, Annikki Mäkel</a:t>
-            </a:r>
-            <a:r>
-              <a:rPr lang="fi-FI" sz="1800" dirty="0"/>
-              <a:t>ä</a:t>
+              <a:t>; </a:t>
+            </a:r>
+            <a:r>
+              <a:rPr lang="fi-FI" sz="1800" dirty="0" err="1" smtClean="0"/>
+              <a:t>Stefano</a:t>
+            </a:r>
+            <a:r>
+              <a:rPr lang="fi-FI" sz="1800" dirty="0" smtClean="0"/>
+              <a:t> </a:t>
+            </a:r>
+            <a:r>
+              <a:rPr lang="fi-FI" sz="1800" dirty="0" err="1" smtClean="0"/>
+              <a:t>Manzoni</a:t>
             </a:r>
             <a:r>
               <a:rPr lang="fi-FI" sz="1800" dirty="0" smtClean="0"/>
@@ -9394,130 +9627,13 @@
             </a:r>
             <a:r>
               <a:rPr lang="fi-FI" sz="1800" dirty="0" smtClean="0"/>
-              <a:t>. </a:t>
-            </a:r>
-            <a:r>
-              <a:rPr lang="fi-FI" sz="1800" dirty="0" err="1" smtClean="0"/>
-              <a:t>Hel</a:t>
+              <a:t>. Stockholm</a:t>
             </a:r>
             <a:r>
               <a:rPr lang="fi-FI" sz="1800" dirty="0" smtClean="0"/>
-              <a:t>); Hjalmar </a:t>
-            </a:r>
-            <a:r>
-              <a:rPr lang="fi-FI" sz="1800" dirty="0" err="1" smtClean="0"/>
-              <a:t>Laudon</a:t>
-            </a:r>
-            <a:r>
-              <a:rPr lang="fi-FI" sz="1800" dirty="0" smtClean="0"/>
-              <a:t>, </a:t>
-            </a:r>
-            <a:r>
-              <a:rPr lang="fi-FI" sz="1800" dirty="0" err="1" smtClean="0"/>
-              <a:t>Niles</a:t>
-            </a:r>
-            <a:r>
-              <a:rPr lang="fi-FI" sz="1800" dirty="0" smtClean="0"/>
-              <a:t> </a:t>
-            </a:r>
-            <a:r>
-              <a:rPr lang="fi-FI" sz="1800" dirty="0" err="1" smtClean="0"/>
-              <a:t>Hasselquist</a:t>
-            </a:r>
-            <a:r>
-              <a:rPr lang="fi-FI" sz="1800" dirty="0" smtClean="0"/>
-              <a:t> (SLU </a:t>
-            </a:r>
-            <a:r>
-              <a:rPr lang="fi-FI" sz="1800" dirty="0" err="1" smtClean="0"/>
-              <a:t>Umeå</a:t>
-            </a:r>
-            <a:r>
-              <a:rPr lang="fi-FI" sz="1800" dirty="0" smtClean="0"/>
-              <a:t>); Giulia </a:t>
-            </a:r>
-            <a:r>
-              <a:rPr lang="fi-FI" sz="1800" dirty="0" err="1" smtClean="0"/>
-              <a:t>Vico</a:t>
-            </a:r>
-            <a:r>
-              <a:rPr lang="fi-FI" sz="1800" dirty="0" smtClean="0"/>
-              <a:t> (SLU Uppsala)</a:t>
-            </a:r>
-          </a:p>
-          <a:p>
-            <a:r>
-              <a:rPr lang="fi-FI" dirty="0" err="1" smtClean="0"/>
-              <a:t>Hydrologic</a:t>
-            </a:r>
-            <a:r>
-              <a:rPr lang="fi-FI" dirty="0"/>
-              <a:t> </a:t>
-            </a:r>
-            <a:r>
-              <a:rPr lang="fi-FI" dirty="0" smtClean="0"/>
-              <a:t>&amp; </a:t>
-            </a:r>
-            <a:r>
-              <a:rPr lang="fi-FI" dirty="0" err="1" smtClean="0"/>
-              <a:t>biogeocemical</a:t>
-            </a:r>
-            <a:r>
-              <a:rPr lang="fi-FI" dirty="0" smtClean="0"/>
-              <a:t> </a:t>
-            </a:r>
-            <a:r>
-              <a:rPr lang="fi-FI" dirty="0" err="1" smtClean="0"/>
-              <a:t>modeling</a:t>
-            </a:r>
-            <a:endParaRPr lang="fi-FI" dirty="0" smtClean="0"/>
-          </a:p>
-          <a:p>
-            <a:pPr lvl="1"/>
-            <a:r>
-              <a:rPr lang="fi-FI" sz="1800" dirty="0" smtClean="0"/>
-              <a:t>Ari Lauren (UEF/Luke); </a:t>
-            </a:r>
-            <a:r>
-              <a:rPr lang="fi-FI" sz="1800" dirty="0" err="1" smtClean="0"/>
-              <a:t>Gaby</a:t>
-            </a:r>
-            <a:r>
-              <a:rPr lang="fi-FI" sz="1800" dirty="0" smtClean="0"/>
-              <a:t> </a:t>
-            </a:r>
-            <a:r>
-              <a:rPr lang="fi-FI" sz="1800" dirty="0" err="1" smtClean="0"/>
-              <a:t>Katul</a:t>
-            </a:r>
-            <a:r>
-              <a:rPr lang="fi-FI" sz="1800" dirty="0" smtClean="0"/>
-              <a:t>; </a:t>
-            </a:r>
-            <a:r>
-              <a:rPr lang="fi-FI" sz="1800" dirty="0" err="1" smtClean="0"/>
-              <a:t>Stefano</a:t>
-            </a:r>
-            <a:r>
-              <a:rPr lang="fi-FI" sz="1800" dirty="0" smtClean="0"/>
-              <a:t> </a:t>
-            </a:r>
-            <a:r>
-              <a:rPr lang="fi-FI" sz="1800" dirty="0" err="1" smtClean="0"/>
-              <a:t>Manzoni</a:t>
-            </a:r>
-            <a:r>
-              <a:rPr lang="fi-FI" sz="1800" dirty="0" smtClean="0"/>
-              <a:t> (</a:t>
-            </a:r>
-            <a:r>
-              <a:rPr lang="fi-FI" sz="1800" dirty="0" err="1" smtClean="0"/>
-              <a:t>Univ</a:t>
-            </a:r>
-            <a:r>
-              <a:rPr lang="fi-FI" sz="1800" dirty="0" smtClean="0"/>
-              <a:t>. Stockholm), …</a:t>
-            </a:r>
+              <a:t>), Harri Koivusalo (Aalto)</a:t>
+            </a:r>
+            <a:endParaRPr lang="fi-FI" sz="1800" dirty="0" smtClean="0"/>
           </a:p>
           <a:p>
             <a:endParaRPr lang="fi-FI" dirty="0" smtClean="0"/>
